--- a/Sprint 4/Seminário Gestão Simples Sprint4.pptx
+++ b/Sprint 4/Seminário Gestão Simples Sprint4.pptx
@@ -121,6 +121,7 @@
 <p1510:revInfo xmlns:a="http://schemas.openxmlformats.org/drawingml/2006/main" xmlns:r="http://schemas.openxmlformats.org/officeDocument/2006/relationships" xmlns:p1510="http://schemas.microsoft.com/office/powerpoint/2015/10/main">
   <p1510:revLst>
     <p1510:client id="{5AC256E3-FFCB-8413-0DF5-B7AF4C3C4C94}" v="377" dt="2024-10-30T13:43:18.383"/>
+    <p1510:client id="{99B1DE9E-29FC-5E80-3F2A-05E3B76EBB9D}" v="10" dt="2024-10-31T02:57:42.867"/>
   </p1510:revLst>
 </p1510:revInfo>
 </file>
@@ -14120,9 +14121,17 @@
           <a:lstStyle/>
           <a:p>
             <a:r>
-              <a:rPr lang="en-US" sz="1100" dirty="0"/>
-              <a:t>LINK DO VÍDEO:</a:t>
-            </a:r>
+              <a:rPr lang="en-US" sz="1100"/>
+              <a:t>LINK DO VÍDEO: </a:t>
+            </a:r>
+            <a:r>
+              <a:rPr lang="en-US" sz="1100" dirty="0">
+                <a:ea typeface="+mj-lt"/>
+                <a:cs typeface="+mj-lt"/>
+              </a:rPr>
+              <a:t>https://drive.google.com/drive/folders/19CKHynlR6ejlaAfu3yQ2Fp1ufMZX0LFW?usp=drive_link</a:t>
+            </a:r>
+            <a:endParaRPr lang="en-US" sz="1100" dirty="0"/>
           </a:p>
         </p:txBody>
       </p:sp>
